--- a/trunk/Slides/Các tính năng mới HTML5 hỗ trợ phát triển game.pptx
+++ b/trunk/Slides/Các tính năng mới HTML5 hỗ trợ phát triển game.pptx
@@ -8205,11 +8205,7 @@
           <a:p>
             <a:r>
               <a:rPr lang="en-US" smtClean="0"/>
-              <a:t>Server Sent </a:t>
-            </a:r>
-            <a:r>
-              <a:rPr lang="en-US" smtClean="0"/>
-              <a:t>Event</a:t>
+              <a:t>Server Sent Event</a:t>
             </a:r>
             <a:endParaRPr lang="en-US"/>
           </a:p>
@@ -10078,25 +10074,41 @@
           <a:p>
             <a:r>
               <a:rPr lang="en-US" smtClean="0"/>
-              <a:t>Đa phương tiện và đồ họa</a:t>
-            </a:r>
-          </a:p>
-          <a:p>
+              <a:t>Đa phương tiện và đồ </a:t>
+            </a:r>
             <a:r>
               <a:rPr lang="en-US" smtClean="0"/>
-              <a:t>Hiệu suất cao</a:t>
+              <a:t>họa</a:t>
             </a:r>
           </a:p>
           <a:p>
             <a:r>
               <a:rPr lang="en-US" smtClean="0"/>
-              <a:t>Dễ dàng phát triển</a:t>
-            </a:r>
-          </a:p>
-          <a:p>
+              <a:t>Hiệu </a:t>
+            </a:r>
             <a:r>
               <a:rPr lang="en-US" smtClean="0"/>
-              <a:t>Tầm hoạt động không giới hạn</a:t>
+              <a:t>suất cao</a:t>
+            </a:r>
+          </a:p>
+          <a:p>
+            <a:r>
+              <a:rPr lang="en-US" smtClean="0"/>
+              <a:t>Dễ dàng phát </a:t>
+            </a:r>
+            <a:r>
+              <a:rPr lang="en-US" smtClean="0"/>
+              <a:t>triển</a:t>
+            </a:r>
+          </a:p>
+          <a:p>
+            <a:r>
+              <a:rPr lang="en-US" smtClean="0"/>
+              <a:t>Tầm </a:t>
+            </a:r>
+            <a:r>
+              <a:rPr lang="en-US" smtClean="0"/>
+              <a:t>hoạt động không giới hạn</a:t>
             </a:r>
           </a:p>
           <a:p>
@@ -11702,15 +11714,7 @@
             </a:r>
             <a:r>
               <a:rPr lang="en-GB" smtClean="0"/>
-              <a:t>CSS3 </a:t>
-            </a:r>
-            <a:r>
-              <a:rPr lang="en-GB" smtClean="0"/>
-              <a:t>For </a:t>
-            </a:r>
-            <a:r>
-              <a:rPr lang="en-GB" smtClean="0"/>
-              <a:t>The Real World By Alexis Goldstein, Louis Lazaris and Estelle Weyl</a:t>
+              <a:t>CSS3 For The Real World By Alexis Goldstein, Louis Lazaris and Estelle Weyl</a:t>
             </a:r>
             <a:endParaRPr lang="en-US"/>
           </a:p>
